--- a/1-Forms/UR_presentation.pptx
+++ b/1-Forms/UR_presentation.pptx
@@ -275,7 +275,7 @@
           <a:p>
             <a:fld id="{B8D33235-B7DB-4D79-9904-54D03B4608C8}" type="datetimeFigureOut">
               <a:rPr lang="en-US" smtClean="0"/>
-              <a:t>5/3/2021</a:t>
+              <a:t>5/6/2021</a:t>
             </a:fld>
             <a:endParaRPr lang="en-US"/>
           </a:p>
@@ -473,7 +473,7 @@
           <a:p>
             <a:fld id="{B8D33235-B7DB-4D79-9904-54D03B4608C8}" type="datetimeFigureOut">
               <a:rPr lang="en-US" smtClean="0"/>
-              <a:t>5/3/2021</a:t>
+              <a:t>5/6/2021</a:t>
             </a:fld>
             <a:endParaRPr lang="en-US"/>
           </a:p>
@@ -681,7 +681,7 @@
           <a:p>
             <a:fld id="{B8D33235-B7DB-4D79-9904-54D03B4608C8}" type="datetimeFigureOut">
               <a:rPr lang="en-US" smtClean="0"/>
-              <a:t>5/3/2021</a:t>
+              <a:t>5/6/2021</a:t>
             </a:fld>
             <a:endParaRPr lang="en-US"/>
           </a:p>
@@ -879,7 +879,7 @@
           <a:p>
             <a:fld id="{B8D33235-B7DB-4D79-9904-54D03B4608C8}" type="datetimeFigureOut">
               <a:rPr lang="en-US" smtClean="0"/>
-              <a:t>5/3/2021</a:t>
+              <a:t>5/6/2021</a:t>
             </a:fld>
             <a:endParaRPr lang="en-US"/>
           </a:p>
@@ -1154,7 +1154,7 @@
           <a:p>
             <a:fld id="{B8D33235-B7DB-4D79-9904-54D03B4608C8}" type="datetimeFigureOut">
               <a:rPr lang="en-US" smtClean="0"/>
-              <a:t>5/3/2021</a:t>
+              <a:t>5/6/2021</a:t>
             </a:fld>
             <a:endParaRPr lang="en-US"/>
           </a:p>
@@ -1419,7 +1419,7 @@
           <a:p>
             <a:fld id="{B8D33235-B7DB-4D79-9904-54D03B4608C8}" type="datetimeFigureOut">
               <a:rPr lang="en-US" smtClean="0"/>
-              <a:t>5/3/2021</a:t>
+              <a:t>5/6/2021</a:t>
             </a:fld>
             <a:endParaRPr lang="en-US"/>
           </a:p>
@@ -1831,7 +1831,7 @@
           <a:p>
             <a:fld id="{B8D33235-B7DB-4D79-9904-54D03B4608C8}" type="datetimeFigureOut">
               <a:rPr lang="en-US" smtClean="0"/>
-              <a:t>5/3/2021</a:t>
+              <a:t>5/6/2021</a:t>
             </a:fld>
             <a:endParaRPr lang="en-US"/>
           </a:p>
@@ -1972,7 +1972,7 @@
           <a:p>
             <a:fld id="{B8D33235-B7DB-4D79-9904-54D03B4608C8}" type="datetimeFigureOut">
               <a:rPr lang="en-US" smtClean="0"/>
-              <a:t>5/3/2021</a:t>
+              <a:t>5/6/2021</a:t>
             </a:fld>
             <a:endParaRPr lang="en-US"/>
           </a:p>
@@ -2085,7 +2085,7 @@
           <a:p>
             <a:fld id="{B8D33235-B7DB-4D79-9904-54D03B4608C8}" type="datetimeFigureOut">
               <a:rPr lang="en-US" smtClean="0"/>
-              <a:t>5/3/2021</a:t>
+              <a:t>5/6/2021</a:t>
             </a:fld>
             <a:endParaRPr lang="en-US"/>
           </a:p>
@@ -2396,7 +2396,7 @@
           <a:p>
             <a:fld id="{B8D33235-B7DB-4D79-9904-54D03B4608C8}" type="datetimeFigureOut">
               <a:rPr lang="en-US" smtClean="0"/>
-              <a:t>5/3/2021</a:t>
+              <a:t>5/6/2021</a:t>
             </a:fld>
             <a:endParaRPr lang="en-US"/>
           </a:p>
@@ -2684,7 +2684,7 @@
           <a:p>
             <a:fld id="{B8D33235-B7DB-4D79-9904-54D03B4608C8}" type="datetimeFigureOut">
               <a:rPr lang="en-US" smtClean="0"/>
-              <a:t>5/3/2021</a:t>
+              <a:t>5/6/2021</a:t>
             </a:fld>
             <a:endParaRPr lang="en-US"/>
           </a:p>
@@ -2925,7 +2925,7 @@
           <a:p>
             <a:fld id="{B8D33235-B7DB-4D79-9904-54D03B4608C8}" type="datetimeFigureOut">
               <a:rPr lang="en-US" smtClean="0"/>
-              <a:t>5/3/2021</a:t>
+              <a:t>5/6/2021</a:t>
             </a:fld>
             <a:endParaRPr lang="en-US"/>
           </a:p>
@@ -3928,97 +3928,6 @@
           </a:p>
         </p:txBody>
       </p:sp>
-      <p:sp>
-        <p:nvSpPr>
-          <p:cNvPr id="3" name="Content Placeholder 2">
-            <a:extLst>
-              <a:ext uri="{FF2B5EF4-FFF2-40B4-BE49-F238E27FC236}">
-                <a16:creationId xmlns:a16="http://schemas.microsoft.com/office/drawing/2014/main" id="{5917E0C9-E221-40F0-9FD7-FDE3EC607506}"/>
-              </a:ext>
-            </a:extLst>
-          </p:cNvPr>
-          <p:cNvSpPr>
-            <a:spLocks noGrp="1"/>
-          </p:cNvSpPr>
-          <p:nvPr>
-            <p:ph idx="1"/>
-          </p:nvPr>
-        </p:nvSpPr>
-        <p:spPr>
-          <a:xfrm>
-            <a:off x="838200" y="1825625"/>
-            <a:ext cx="10515600" cy="2689225"/>
-          </a:xfrm>
-        </p:spPr>
-        <p:txBody>
-          <a:bodyPr>
-            <a:normAutofit/>
-          </a:bodyPr>
-          <a:lstStyle/>
-          <a:p>
-            <a:r>
-              <a:rPr lang="en-US" sz="2000" dirty="0"/>
-              <a:t>Using Boa, a programming language made for the purpose of mining software repositories, I extracted 1,033,125 comments from the Microsoft ML &amp; AI dataset </a:t>
-            </a:r>
-            <a:r>
-              <a:rPr lang="en-US" sz="2000" i="1" dirty="0" err="1"/>
-              <a:t>MLVerse</a:t>
-            </a:r>
-            <a:r>
-              <a:rPr lang="en-US" sz="2000" dirty="0"/>
-              <a:t>.</a:t>
-            </a:r>
-          </a:p>
-          <a:p>
-            <a:r>
-              <a:rPr lang="en-US" sz="2000" dirty="0"/>
-              <a:t>Using Tang </a:t>
-            </a:r>
-            <a:r>
-              <a:rPr lang="en-US" sz="2000" i="1" dirty="0"/>
-              <a:t>et al.</a:t>
-            </a:r>
-            <a:r>
-              <a:rPr lang="en-US" sz="2000" dirty="0"/>
-              <a:t>’s Comment Classifier, we found 14,455 comments classified as TD</a:t>
-            </a:r>
-          </a:p>
-          <a:p>
-            <a:r>
-              <a:rPr lang="en-US" sz="2000" dirty="0"/>
-              <a:t>Using a keyword search for words that are commonly used to describe TD in source code comments (‘</a:t>
-            </a:r>
-            <a:r>
-              <a:rPr lang="en-US" sz="2000" dirty="0" err="1"/>
-              <a:t>todo</a:t>
-            </a:r>
-            <a:r>
-              <a:rPr lang="en-US" sz="2000" dirty="0"/>
-              <a:t>’, ‘</a:t>
-            </a:r>
-            <a:r>
-              <a:rPr lang="en-US" sz="2000" dirty="0" err="1"/>
-              <a:t>fixme</a:t>
-            </a:r>
-            <a:r>
-              <a:rPr lang="en-US" sz="2000" dirty="0"/>
-              <a:t>’, ‘workaround’) I found 16,265 comments.</a:t>
-            </a:r>
-          </a:p>
-          <a:p>
-            <a:r>
-              <a:rPr lang="en-US" sz="2000" dirty="0"/>
-              <a:t>Union the two sets of comments, I ended with 22,114 comments between the two.</a:t>
-            </a:r>
-          </a:p>
-          <a:p>
-            <a:r>
-              <a:rPr lang="en-US" sz="2000" dirty="0"/>
-              <a:t>Manually labelled 1,037 comments into TD, DSTD, and No TD</a:t>
-            </a:r>
-          </a:p>
-        </p:txBody>
-      </p:sp>
       <p:pic>
         <p:nvPicPr>
           <p:cNvPr id="5" name="Picture 4">
@@ -4041,12 +3950,674 @@
         </p:blipFill>
         <p:spPr>
           <a:xfrm>
-            <a:off x="838200" y="5062537"/>
+            <a:off x="385439" y="5382133"/>
             <a:ext cx="4657725" cy="1190625"/>
           </a:xfrm>
           <a:prstGeom prst="rect">
             <a:avLst/>
           </a:prstGeom>
+        </p:spPr>
+      </p:pic>
+      <p:sp>
+        <p:nvSpPr>
+          <p:cNvPr id="7" name="Rectangle 6">
+            <a:extLst>
+              <a:ext uri="{FF2B5EF4-FFF2-40B4-BE49-F238E27FC236}">
+                <a16:creationId xmlns:a16="http://schemas.microsoft.com/office/drawing/2014/main" id="{4DF032B0-4EA5-4E18-93A1-25352727FBFD}"/>
+              </a:ext>
+            </a:extLst>
+          </p:cNvPr>
+          <p:cNvSpPr/>
+          <p:nvPr/>
+        </p:nvSpPr>
+        <p:spPr>
+          <a:xfrm>
+            <a:off x="6096000" y="927875"/>
+            <a:ext cx="4779146" cy="612949"/>
+          </a:xfrm>
+          <a:prstGeom prst="rect">
+            <a:avLst/>
+          </a:prstGeom>
+          <a:noFill/>
+          <a:ln w="57150">
+            <a:solidFill>
+              <a:srgbClr val="C00000"/>
+            </a:solidFill>
+          </a:ln>
+        </p:spPr>
+        <p:style>
+          <a:lnRef idx="2">
+            <a:schemeClr val="accent1">
+              <a:shade val="50000"/>
+            </a:schemeClr>
+          </a:lnRef>
+          <a:fillRef idx="1">
+            <a:schemeClr val="accent1"/>
+          </a:fillRef>
+          <a:effectRef idx="0">
+            <a:schemeClr val="accent1"/>
+          </a:effectRef>
+          <a:fontRef idx="minor">
+            <a:schemeClr val="lt1"/>
+          </a:fontRef>
+        </p:style>
+        <p:txBody>
+          <a:bodyPr rtlCol="0" anchor="ctr"/>
+          <a:lstStyle/>
+          <a:p>
+            <a:pPr algn="ctr"/>
+            <a:r>
+              <a:rPr lang="en-US" sz="1600" dirty="0">
+                <a:solidFill>
+                  <a:schemeClr val="tx1"/>
+                </a:solidFill>
+              </a:rPr>
+              <a:t>All Comments Extracted from </a:t>
+            </a:r>
+            <a:r>
+              <a:rPr lang="en-US" sz="1600" dirty="0" err="1">
+                <a:solidFill>
+                  <a:schemeClr val="tx1"/>
+                </a:solidFill>
+              </a:rPr>
+              <a:t>MLVerse</a:t>
+            </a:r>
+            <a:r>
+              <a:rPr lang="en-US" sz="1600" dirty="0">
+                <a:solidFill>
+                  <a:schemeClr val="tx1"/>
+                </a:solidFill>
+              </a:rPr>
+              <a:t> using Boa</a:t>
+            </a:r>
+          </a:p>
+          <a:p>
+            <a:pPr algn="ctr"/>
+            <a:r>
+              <a:rPr lang="en-US" sz="1600" dirty="0">
+                <a:solidFill>
+                  <a:schemeClr val="tx1"/>
+                </a:solidFill>
+              </a:rPr>
+              <a:t>(1,033,125 Comments)</a:t>
+            </a:r>
+          </a:p>
+        </p:txBody>
+      </p:sp>
+      <p:sp>
+        <p:nvSpPr>
+          <p:cNvPr id="8" name="Rectangle 7">
+            <a:extLst>
+              <a:ext uri="{FF2B5EF4-FFF2-40B4-BE49-F238E27FC236}">
+                <a16:creationId xmlns:a16="http://schemas.microsoft.com/office/drawing/2014/main" id="{1D1B5455-00D1-4940-AB0F-CE2CDD669AB8}"/>
+              </a:ext>
+            </a:extLst>
+          </p:cNvPr>
+          <p:cNvSpPr/>
+          <p:nvPr/>
+        </p:nvSpPr>
+        <p:spPr>
+          <a:xfrm>
+            <a:off x="4687410" y="2272798"/>
+            <a:ext cx="3524435" cy="612949"/>
+          </a:xfrm>
+          <a:prstGeom prst="rect">
+            <a:avLst/>
+          </a:prstGeom>
+          <a:noFill/>
+          <a:ln w="57150">
+            <a:solidFill>
+              <a:srgbClr val="C00000"/>
+            </a:solidFill>
+          </a:ln>
+        </p:spPr>
+        <p:style>
+          <a:lnRef idx="2">
+            <a:schemeClr val="accent1">
+              <a:shade val="50000"/>
+            </a:schemeClr>
+          </a:lnRef>
+          <a:fillRef idx="1">
+            <a:schemeClr val="accent1"/>
+          </a:fillRef>
+          <a:effectRef idx="0">
+            <a:schemeClr val="accent1"/>
+          </a:effectRef>
+          <a:fontRef idx="minor">
+            <a:schemeClr val="lt1"/>
+          </a:fontRef>
+        </p:style>
+        <p:txBody>
+          <a:bodyPr rtlCol="0" anchor="ctr"/>
+          <a:lstStyle/>
+          <a:p>
+            <a:pPr algn="ctr"/>
+            <a:r>
+              <a:rPr lang="en-US" sz="1600" dirty="0">
+                <a:solidFill>
+                  <a:schemeClr val="tx1"/>
+                </a:solidFill>
+              </a:rPr>
+              <a:t>Comments Containing Keyword</a:t>
+            </a:r>
+          </a:p>
+          <a:p>
+            <a:pPr algn="ctr"/>
+            <a:r>
+              <a:rPr lang="en-US" sz="1600" dirty="0">
+                <a:solidFill>
+                  <a:schemeClr val="tx1"/>
+                </a:solidFill>
+              </a:rPr>
+              <a:t>(16,265 Comments)</a:t>
+            </a:r>
+          </a:p>
+        </p:txBody>
+      </p:sp>
+      <p:sp>
+        <p:nvSpPr>
+          <p:cNvPr id="9" name="Rectangle 8">
+            <a:extLst>
+              <a:ext uri="{FF2B5EF4-FFF2-40B4-BE49-F238E27FC236}">
+                <a16:creationId xmlns:a16="http://schemas.microsoft.com/office/drawing/2014/main" id="{2AF4C5AF-CAAF-45A6-955F-81C3F1CCEED9}"/>
+              </a:ext>
+            </a:extLst>
+          </p:cNvPr>
+          <p:cNvSpPr/>
+          <p:nvPr/>
+        </p:nvSpPr>
+        <p:spPr>
+          <a:xfrm>
+            <a:off x="8495930" y="2268638"/>
+            <a:ext cx="3696070" cy="612950"/>
+          </a:xfrm>
+          <a:prstGeom prst="rect">
+            <a:avLst/>
+          </a:prstGeom>
+          <a:noFill/>
+          <a:ln w="57150">
+            <a:solidFill>
+              <a:srgbClr val="C00000"/>
+            </a:solidFill>
+          </a:ln>
+        </p:spPr>
+        <p:style>
+          <a:lnRef idx="2">
+            <a:schemeClr val="accent1">
+              <a:shade val="50000"/>
+            </a:schemeClr>
+          </a:lnRef>
+          <a:fillRef idx="1">
+            <a:schemeClr val="accent1"/>
+          </a:fillRef>
+          <a:effectRef idx="0">
+            <a:schemeClr val="accent1"/>
+          </a:effectRef>
+          <a:fontRef idx="minor">
+            <a:schemeClr val="lt1"/>
+          </a:fontRef>
+        </p:style>
+        <p:txBody>
+          <a:bodyPr rtlCol="0" anchor="ctr"/>
+          <a:lstStyle/>
+          <a:p>
+            <a:pPr algn="ctr"/>
+            <a:r>
+              <a:rPr lang="en-US" sz="1600" dirty="0">
+                <a:solidFill>
+                  <a:schemeClr val="tx1"/>
+                </a:solidFill>
+              </a:rPr>
+              <a:t>Comments Detected by SATD Classifier [6]</a:t>
+            </a:r>
+          </a:p>
+          <a:p>
+            <a:pPr algn="ctr"/>
+            <a:r>
+              <a:rPr lang="en-US" sz="1600" dirty="0">
+                <a:solidFill>
+                  <a:schemeClr val="tx1"/>
+                </a:solidFill>
+              </a:rPr>
+              <a:t>(14,455 Comments)</a:t>
+            </a:r>
+          </a:p>
+        </p:txBody>
+      </p:sp>
+      <p:sp>
+        <p:nvSpPr>
+          <p:cNvPr id="10" name="Rectangle 9">
+            <a:extLst>
+              <a:ext uri="{FF2B5EF4-FFF2-40B4-BE49-F238E27FC236}">
+                <a16:creationId xmlns:a16="http://schemas.microsoft.com/office/drawing/2014/main" id="{85BCB6D2-066E-4E05-9DC2-92ED2A3A2B40}"/>
+              </a:ext>
+            </a:extLst>
+          </p:cNvPr>
+          <p:cNvSpPr/>
+          <p:nvPr/>
+        </p:nvSpPr>
+        <p:spPr>
+          <a:xfrm>
+            <a:off x="6670998" y="3460371"/>
+            <a:ext cx="3254214" cy="612950"/>
+          </a:xfrm>
+          <a:prstGeom prst="rect">
+            <a:avLst/>
+          </a:prstGeom>
+          <a:noFill/>
+          <a:ln w="57150">
+            <a:solidFill>
+              <a:srgbClr val="C00000"/>
+            </a:solidFill>
+          </a:ln>
+        </p:spPr>
+        <p:style>
+          <a:lnRef idx="2">
+            <a:schemeClr val="accent1">
+              <a:shade val="50000"/>
+            </a:schemeClr>
+          </a:lnRef>
+          <a:fillRef idx="1">
+            <a:schemeClr val="accent1"/>
+          </a:fillRef>
+          <a:effectRef idx="0">
+            <a:schemeClr val="accent1"/>
+          </a:effectRef>
+          <a:fontRef idx="minor">
+            <a:schemeClr val="lt1"/>
+          </a:fontRef>
+        </p:style>
+        <p:txBody>
+          <a:bodyPr rtlCol="0" anchor="ctr"/>
+          <a:lstStyle/>
+          <a:p>
+            <a:pPr algn="ctr"/>
+            <a:r>
+              <a:rPr lang="en-US" sz="1600" dirty="0">
+                <a:solidFill>
+                  <a:schemeClr val="tx1"/>
+                </a:solidFill>
+              </a:rPr>
+              <a:t>Union of Classified and Keyword Sets</a:t>
+            </a:r>
+          </a:p>
+          <a:p>
+            <a:pPr algn="ctr"/>
+            <a:r>
+              <a:rPr lang="en-US" sz="1600" dirty="0">
+                <a:solidFill>
+                  <a:schemeClr val="tx1"/>
+                </a:solidFill>
+              </a:rPr>
+              <a:t>(22,114 Comments)</a:t>
+            </a:r>
+          </a:p>
+        </p:txBody>
+      </p:sp>
+      <p:sp>
+        <p:nvSpPr>
+          <p:cNvPr id="11" name="Arrow: Down 10">
+            <a:extLst>
+              <a:ext uri="{FF2B5EF4-FFF2-40B4-BE49-F238E27FC236}">
+                <a16:creationId xmlns:a16="http://schemas.microsoft.com/office/drawing/2014/main" id="{D658CC0D-0AE5-4567-BE6C-90A08B14CDBF}"/>
+              </a:ext>
+            </a:extLst>
+          </p:cNvPr>
+          <p:cNvSpPr/>
+          <p:nvPr/>
+        </p:nvSpPr>
+        <p:spPr>
+          <a:xfrm>
+            <a:off x="8002774" y="4223767"/>
+            <a:ext cx="590662" cy="379442"/>
+          </a:xfrm>
+          <a:prstGeom prst="downArrow">
+            <a:avLst/>
+          </a:prstGeom>
+          <a:noFill/>
+          <a:ln w="57150">
+            <a:solidFill>
+              <a:srgbClr val="C00000"/>
+            </a:solidFill>
+          </a:ln>
+        </p:spPr>
+        <p:style>
+          <a:lnRef idx="2">
+            <a:schemeClr val="accent1">
+              <a:shade val="50000"/>
+            </a:schemeClr>
+          </a:lnRef>
+          <a:fillRef idx="1">
+            <a:schemeClr val="accent1"/>
+          </a:fillRef>
+          <a:effectRef idx="0">
+            <a:schemeClr val="accent1"/>
+          </a:effectRef>
+          <a:fontRef idx="minor">
+            <a:schemeClr val="lt1"/>
+          </a:fontRef>
+        </p:style>
+        <p:txBody>
+          <a:bodyPr rtlCol="0" anchor="ctr"/>
+          <a:lstStyle/>
+          <a:p>
+            <a:pPr algn="ctr"/>
+            <a:endParaRPr lang="en-US" sz="1600"/>
+          </a:p>
+        </p:txBody>
+      </p:sp>
+      <p:sp>
+        <p:nvSpPr>
+          <p:cNvPr id="12" name="Rectangle 11">
+            <a:extLst>
+              <a:ext uri="{FF2B5EF4-FFF2-40B4-BE49-F238E27FC236}">
+                <a16:creationId xmlns:a16="http://schemas.microsoft.com/office/drawing/2014/main" id="{88C326F4-B1E7-4CD1-9F7C-7E3AD53C39BA}"/>
+              </a:ext>
+            </a:extLst>
+          </p:cNvPr>
+          <p:cNvSpPr/>
+          <p:nvPr/>
+        </p:nvSpPr>
+        <p:spPr>
+          <a:xfrm>
+            <a:off x="6671562" y="4753655"/>
+            <a:ext cx="3254214" cy="878301"/>
+          </a:xfrm>
+          <a:prstGeom prst="rect">
+            <a:avLst/>
+          </a:prstGeom>
+          <a:noFill/>
+          <a:ln w="57150">
+            <a:solidFill>
+              <a:srgbClr val="C00000"/>
+            </a:solidFill>
+          </a:ln>
+        </p:spPr>
+        <p:style>
+          <a:lnRef idx="2">
+            <a:schemeClr val="accent1">
+              <a:shade val="50000"/>
+            </a:schemeClr>
+          </a:lnRef>
+          <a:fillRef idx="1">
+            <a:schemeClr val="accent1"/>
+          </a:fillRef>
+          <a:effectRef idx="0">
+            <a:schemeClr val="accent1"/>
+          </a:effectRef>
+          <a:fontRef idx="minor">
+            <a:schemeClr val="lt1"/>
+          </a:fontRef>
+        </p:style>
+        <p:txBody>
+          <a:bodyPr rtlCol="0" anchor="ctr"/>
+          <a:lstStyle/>
+          <a:p>
+            <a:pPr algn="ctr"/>
+            <a:r>
+              <a:rPr lang="en-US" sz="1600" dirty="0">
+                <a:solidFill>
+                  <a:schemeClr val="tx1"/>
+                </a:solidFill>
+              </a:rPr>
+              <a:t>1,037 Comments Manually Labelled</a:t>
+            </a:r>
+          </a:p>
+        </p:txBody>
+      </p:sp>
+      <p:sp>
+        <p:nvSpPr>
+          <p:cNvPr id="13" name="Arrow: Down 12">
+            <a:extLst>
+              <a:ext uri="{FF2B5EF4-FFF2-40B4-BE49-F238E27FC236}">
+                <a16:creationId xmlns:a16="http://schemas.microsoft.com/office/drawing/2014/main" id="{2014E4AC-C5A7-4797-8F2E-9847AD0E219C}"/>
+              </a:ext>
+            </a:extLst>
+          </p:cNvPr>
+          <p:cNvSpPr/>
+          <p:nvPr/>
+        </p:nvSpPr>
+        <p:spPr>
+          <a:xfrm>
+            <a:off x="9016763" y="3000558"/>
+            <a:ext cx="590662" cy="379442"/>
+          </a:xfrm>
+          <a:prstGeom prst="downArrow">
+            <a:avLst/>
+          </a:prstGeom>
+          <a:noFill/>
+          <a:ln w="57150">
+            <a:solidFill>
+              <a:srgbClr val="C00000"/>
+            </a:solidFill>
+          </a:ln>
+        </p:spPr>
+        <p:style>
+          <a:lnRef idx="2">
+            <a:schemeClr val="accent1">
+              <a:shade val="50000"/>
+            </a:schemeClr>
+          </a:lnRef>
+          <a:fillRef idx="1">
+            <a:schemeClr val="accent1"/>
+          </a:fillRef>
+          <a:effectRef idx="0">
+            <a:schemeClr val="accent1"/>
+          </a:effectRef>
+          <a:fontRef idx="minor">
+            <a:schemeClr val="lt1"/>
+          </a:fontRef>
+        </p:style>
+        <p:txBody>
+          <a:bodyPr rtlCol="0" anchor="ctr"/>
+          <a:lstStyle/>
+          <a:p>
+            <a:pPr algn="ctr"/>
+            <a:endParaRPr lang="en-US" sz="1600"/>
+          </a:p>
+        </p:txBody>
+      </p:sp>
+      <p:sp>
+        <p:nvSpPr>
+          <p:cNvPr id="14" name="Arrow: Down 13">
+            <a:extLst>
+              <a:ext uri="{FF2B5EF4-FFF2-40B4-BE49-F238E27FC236}">
+                <a16:creationId xmlns:a16="http://schemas.microsoft.com/office/drawing/2014/main" id="{B126EA36-5810-436F-B359-AC22E4F9D052}"/>
+              </a:ext>
+            </a:extLst>
+          </p:cNvPr>
+          <p:cNvSpPr/>
+          <p:nvPr/>
+        </p:nvSpPr>
+        <p:spPr>
+          <a:xfrm>
+            <a:off x="7254563" y="3000558"/>
+            <a:ext cx="590662" cy="379442"/>
+          </a:xfrm>
+          <a:prstGeom prst="downArrow">
+            <a:avLst/>
+          </a:prstGeom>
+          <a:noFill/>
+          <a:ln w="57150">
+            <a:solidFill>
+              <a:srgbClr val="C00000"/>
+            </a:solidFill>
+          </a:ln>
+        </p:spPr>
+        <p:style>
+          <a:lnRef idx="2">
+            <a:schemeClr val="accent1">
+              <a:shade val="50000"/>
+            </a:schemeClr>
+          </a:lnRef>
+          <a:fillRef idx="1">
+            <a:schemeClr val="accent1"/>
+          </a:fillRef>
+          <a:effectRef idx="0">
+            <a:schemeClr val="accent1"/>
+          </a:effectRef>
+          <a:fontRef idx="minor">
+            <a:schemeClr val="lt1"/>
+          </a:fontRef>
+        </p:style>
+        <p:txBody>
+          <a:bodyPr rtlCol="0" anchor="ctr"/>
+          <a:lstStyle/>
+          <a:p>
+            <a:pPr algn="ctr"/>
+            <a:endParaRPr lang="en-US" sz="1600"/>
+          </a:p>
+        </p:txBody>
+      </p:sp>
+      <p:sp>
+        <p:nvSpPr>
+          <p:cNvPr id="15" name="Arrow: Down 14">
+            <a:extLst>
+              <a:ext uri="{FF2B5EF4-FFF2-40B4-BE49-F238E27FC236}">
+                <a16:creationId xmlns:a16="http://schemas.microsoft.com/office/drawing/2014/main" id="{B4C62123-15E8-41B2-8BC3-CC0A64368440}"/>
+              </a:ext>
+            </a:extLst>
+          </p:cNvPr>
+          <p:cNvSpPr/>
+          <p:nvPr/>
+        </p:nvSpPr>
+        <p:spPr>
+          <a:xfrm>
+            <a:off x="7254563" y="1726095"/>
+            <a:ext cx="590662" cy="379442"/>
+          </a:xfrm>
+          <a:prstGeom prst="downArrow">
+            <a:avLst/>
+          </a:prstGeom>
+          <a:noFill/>
+          <a:ln w="57150">
+            <a:solidFill>
+              <a:srgbClr val="C00000"/>
+            </a:solidFill>
+          </a:ln>
+        </p:spPr>
+        <p:style>
+          <a:lnRef idx="2">
+            <a:schemeClr val="accent1">
+              <a:shade val="50000"/>
+            </a:schemeClr>
+          </a:lnRef>
+          <a:fillRef idx="1">
+            <a:schemeClr val="accent1"/>
+          </a:fillRef>
+          <a:effectRef idx="0">
+            <a:schemeClr val="accent1"/>
+          </a:effectRef>
+          <a:fontRef idx="minor">
+            <a:schemeClr val="lt1"/>
+          </a:fontRef>
+        </p:style>
+        <p:txBody>
+          <a:bodyPr rtlCol="0" anchor="ctr"/>
+          <a:lstStyle/>
+          <a:p>
+            <a:pPr algn="ctr"/>
+            <a:endParaRPr lang="en-US" sz="1600"/>
+          </a:p>
+        </p:txBody>
+      </p:sp>
+      <p:sp>
+        <p:nvSpPr>
+          <p:cNvPr id="16" name="Arrow: Down 15">
+            <a:extLst>
+              <a:ext uri="{FF2B5EF4-FFF2-40B4-BE49-F238E27FC236}">
+                <a16:creationId xmlns:a16="http://schemas.microsoft.com/office/drawing/2014/main" id="{9D1614F5-4CE8-4AB0-91CA-E836E1A1A1D8}"/>
+              </a:ext>
+            </a:extLst>
+          </p:cNvPr>
+          <p:cNvSpPr/>
+          <p:nvPr/>
+        </p:nvSpPr>
+        <p:spPr>
+          <a:xfrm>
+            <a:off x="9016763" y="1716326"/>
+            <a:ext cx="590662" cy="379442"/>
+          </a:xfrm>
+          <a:prstGeom prst="downArrow">
+            <a:avLst/>
+          </a:prstGeom>
+          <a:noFill/>
+          <a:ln w="57150">
+            <a:solidFill>
+              <a:srgbClr val="C00000"/>
+            </a:solidFill>
+          </a:ln>
+        </p:spPr>
+        <p:style>
+          <a:lnRef idx="2">
+            <a:schemeClr val="accent1">
+              <a:shade val="50000"/>
+            </a:schemeClr>
+          </a:lnRef>
+          <a:fillRef idx="1">
+            <a:schemeClr val="accent1"/>
+          </a:fillRef>
+          <a:effectRef idx="0">
+            <a:schemeClr val="accent1"/>
+          </a:effectRef>
+          <a:fontRef idx="minor">
+            <a:schemeClr val="lt1"/>
+          </a:fontRef>
+        </p:style>
+        <p:txBody>
+          <a:bodyPr rtlCol="0" anchor="ctr"/>
+          <a:lstStyle/>
+          <a:p>
+            <a:pPr algn="ctr"/>
+            <a:endParaRPr lang="en-US" sz="1600"/>
+          </a:p>
+        </p:txBody>
+      </p:sp>
+      <p:pic>
+        <p:nvPicPr>
+          <p:cNvPr id="1026" name="Picture 2" descr="Microsoft Full Time Customer Facing Technologies Opportunity for Students  and Recent Graduates">
+            <a:extLst>
+              <a:ext uri="{FF2B5EF4-FFF2-40B4-BE49-F238E27FC236}">
+                <a16:creationId xmlns:a16="http://schemas.microsoft.com/office/drawing/2014/main" id="{DF0F374D-CB5D-4F07-AFB1-EBA1D1423D60}"/>
+              </a:ext>
+            </a:extLst>
+          </p:cNvPr>
+          <p:cNvPicPr>
+            <a:picLocks noChangeAspect="1" noChangeArrowheads="1"/>
+          </p:cNvPicPr>
+          <p:nvPr/>
+        </p:nvPicPr>
+        <p:blipFill>
+          <a:blip r:embed="rId3">
+            <a:extLst>
+              <a:ext uri="{28A0092B-C50C-407E-A947-70E740481C1C}">
+                <a14:useLocalDpi xmlns:a14="http://schemas.microsoft.com/office/drawing/2010/main" val="0"/>
+              </a:ext>
+            </a:extLst>
+          </a:blip>
+          <a:srcRect/>
+          <a:stretch>
+            <a:fillRect/>
+          </a:stretch>
+        </p:blipFill>
+        <p:spPr bwMode="auto">
+          <a:xfrm>
+            <a:off x="385439" y="3053007"/>
+            <a:ext cx="4658250" cy="2329125"/>
+          </a:xfrm>
+          <a:prstGeom prst="rect">
+            <a:avLst/>
+          </a:prstGeom>
+          <a:noFill/>
+          <a:extLst>
+            <a:ext uri="{909E8E84-426E-40DD-AFC4-6F175D3DCCD1}">
+              <a14:hiddenFill xmlns:a14="http://schemas.microsoft.com/office/drawing/2010/main">
+                <a:solidFill>
+                  <a:srgbClr val="FFFFFF"/>
+                </a:solidFill>
+              </a14:hiddenFill>
+            </a:ext>
+          </a:extLst>
         </p:spPr>
       </p:pic>
     </p:spTree>
